--- a/03-Programming Fundamentals.pptx
+++ b/03-Programming Fundamentals.pptx
@@ -1,6 +1,6 @@
 
 <file path=ppt/presentation.xml><?xml version="1.0" encoding="utf-8"?>
-<p:presentation xmlns:a="http://schemas.openxmlformats.org/drawingml/2006/main" xmlns:r="http://schemas.openxmlformats.org/officeDocument/2006/relationships" xmlns:p="http://schemas.openxmlformats.org/presentationml/2006/main" saveSubsetFonts="1" autoCompressPictures="0">
+<p:presentation xmlns:a="http://schemas.openxmlformats.org/drawingml/2006/main" xmlns:r="http://schemas.openxmlformats.org/officeDocument/2006/relationships" xmlns:p="http://schemas.openxmlformats.org/presentationml/2006/main" firstSlideNum="47" saveSubsetFonts="1" autoCompressPictures="0">
   <p:sldMasterIdLst>
     <p:sldMasterId id="2147483648" r:id="rId1"/>
   </p:sldMasterIdLst>
@@ -220,7 +220,7 @@
           <a:p>
             <a:fld id="{EE63C020-A11B-B048-B030-25C43ED4E8CE}" type="datetimeFigureOut">
               <a:rPr lang="en-US" smtClean="0"/>
-              <a:t>1/25/19</a:t>
+              <a:t>11/23/19</a:t>
             </a:fld>
             <a:endParaRPr lang="en-US"/>
           </a:p>
@@ -614,9 +614,9 @@
           <a:bodyPr/>
           <a:lstStyle/>
           <a:p>
-            <a:fld id="{D154277B-EAAD-F24B-9A75-1BBD5B59844E}" type="datetimeFigureOut">
+            <a:fld id="{B3DB2C68-F044-7E43-BD78-9EAE43EBECF2}" type="datetime1">
               <a:rPr lang="en-US" smtClean="0"/>
-              <a:t>1/25/19</a:t>
+              <a:t>11/23/19</a:t>
             </a:fld>
             <a:endParaRPr lang="en-US"/>
           </a:p>
@@ -782,9 +782,9 @@
           <a:bodyPr/>
           <a:lstStyle/>
           <a:p>
-            <a:fld id="{D154277B-EAAD-F24B-9A75-1BBD5B59844E}" type="datetimeFigureOut">
+            <a:fld id="{F5EA6790-9C92-8749-92B7-D6BCB8298006}" type="datetime1">
               <a:rPr lang="en-US" smtClean="0"/>
-              <a:t>1/25/19</a:t>
+              <a:t>11/23/19</a:t>
             </a:fld>
             <a:endParaRPr lang="en-US"/>
           </a:p>
@@ -960,9 +960,9 @@
           <a:bodyPr/>
           <a:lstStyle/>
           <a:p>
-            <a:fld id="{D154277B-EAAD-F24B-9A75-1BBD5B59844E}" type="datetimeFigureOut">
+            <a:fld id="{E9263CE4-8984-AD4A-87EA-6F721010C490}" type="datetime1">
               <a:rPr lang="en-US" smtClean="0"/>
-              <a:t>1/25/19</a:t>
+              <a:t>11/23/19</a:t>
             </a:fld>
             <a:endParaRPr lang="en-US"/>
           </a:p>
@@ -1128,9 +1128,9 @@
           <a:bodyPr/>
           <a:lstStyle/>
           <a:p>
-            <a:fld id="{D154277B-EAAD-F24B-9A75-1BBD5B59844E}" type="datetimeFigureOut">
+            <a:fld id="{7F625FDC-8E65-FC43-8F8E-7E8C5DA676D4}" type="datetime1">
               <a:rPr lang="en-US" smtClean="0"/>
-              <a:t>1/25/19</a:t>
+              <a:t>11/23/19</a:t>
             </a:fld>
             <a:endParaRPr lang="en-US"/>
           </a:p>
@@ -1373,9 +1373,9 @@
           <a:bodyPr/>
           <a:lstStyle/>
           <a:p>
-            <a:fld id="{D154277B-EAAD-F24B-9A75-1BBD5B59844E}" type="datetimeFigureOut">
+            <a:fld id="{1EDF69CF-034C-FD4D-B459-43A0D64CEE71}" type="datetime1">
               <a:rPr lang="en-US" smtClean="0"/>
-              <a:t>1/25/19</a:t>
+              <a:t>11/23/19</a:t>
             </a:fld>
             <a:endParaRPr lang="en-US"/>
           </a:p>
@@ -1602,9 +1602,9 @@
           <a:bodyPr/>
           <a:lstStyle/>
           <a:p>
-            <a:fld id="{D154277B-EAAD-F24B-9A75-1BBD5B59844E}" type="datetimeFigureOut">
+            <a:fld id="{BFA6F129-11E1-3A49-8E45-CC9440058E6F}" type="datetime1">
               <a:rPr lang="en-US" smtClean="0"/>
-              <a:t>1/25/19</a:t>
+              <a:t>11/23/19</a:t>
             </a:fld>
             <a:endParaRPr lang="en-US"/>
           </a:p>
@@ -1966,9 +1966,9 @@
           <a:bodyPr/>
           <a:lstStyle/>
           <a:p>
-            <a:fld id="{D154277B-EAAD-F24B-9A75-1BBD5B59844E}" type="datetimeFigureOut">
+            <a:fld id="{C20435E9-EC44-FF40-AE13-954DAF00F627}" type="datetime1">
               <a:rPr lang="en-US" smtClean="0"/>
-              <a:t>1/25/19</a:t>
+              <a:t>11/23/19</a:t>
             </a:fld>
             <a:endParaRPr lang="en-US"/>
           </a:p>
@@ -2083,9 +2083,9 @@
           <a:bodyPr/>
           <a:lstStyle/>
           <a:p>
-            <a:fld id="{D154277B-EAAD-F24B-9A75-1BBD5B59844E}" type="datetimeFigureOut">
+            <a:fld id="{4D08BDFB-CF06-914A-A8F2-6BDBAF0B4976}" type="datetime1">
               <a:rPr lang="en-US" smtClean="0"/>
-              <a:t>1/25/19</a:t>
+              <a:t>11/23/19</a:t>
             </a:fld>
             <a:endParaRPr lang="en-US"/>
           </a:p>
@@ -2178,9 +2178,9 @@
           <a:bodyPr/>
           <a:lstStyle/>
           <a:p>
-            <a:fld id="{D154277B-EAAD-F24B-9A75-1BBD5B59844E}" type="datetimeFigureOut">
+            <a:fld id="{793A382A-8C2A-E94F-950A-176CECA6FEAA}" type="datetime1">
               <a:rPr lang="en-US" smtClean="0"/>
-              <a:t>1/25/19</a:t>
+              <a:t>11/23/19</a:t>
             </a:fld>
             <a:endParaRPr lang="en-US"/>
           </a:p>
@@ -2453,9 +2453,9 @@
           <a:bodyPr/>
           <a:lstStyle/>
           <a:p>
-            <a:fld id="{D154277B-EAAD-F24B-9A75-1BBD5B59844E}" type="datetimeFigureOut">
+            <a:fld id="{71643287-A819-7044-A157-174BB961AC5D}" type="datetime1">
               <a:rPr lang="en-US" smtClean="0"/>
-              <a:t>1/25/19</a:t>
+              <a:t>11/23/19</a:t>
             </a:fld>
             <a:endParaRPr lang="en-US"/>
           </a:p>
@@ -2705,9 +2705,9 @@
           <a:bodyPr/>
           <a:lstStyle/>
           <a:p>
-            <a:fld id="{D154277B-EAAD-F24B-9A75-1BBD5B59844E}" type="datetimeFigureOut">
+            <a:fld id="{25697B9A-D8A5-8B47-9FF8-8F5BC33E9C73}" type="datetime1">
               <a:rPr lang="en-US" smtClean="0"/>
-              <a:t>1/25/19</a:t>
+              <a:t>11/23/19</a:t>
             </a:fld>
             <a:endParaRPr lang="en-US"/>
           </a:p>
@@ -2916,9 +2916,9 @@
             </a:lvl1pPr>
           </a:lstStyle>
           <a:p>
-            <a:fld id="{D154277B-EAAD-F24B-9A75-1BBD5B59844E}" type="datetimeFigureOut">
+            <a:fld id="{43A38D10-2355-2141-9BEF-A9165F5D3750}" type="datetime1">
               <a:rPr lang="en-US" smtClean="0"/>
-              <a:t>1/25/19</a:t>
+              <a:t>11/23/19</a:t>
             </a:fld>
             <a:endParaRPr lang="en-US"/>
           </a:p>
@@ -3023,6 +3023,7 @@
     <p:sldLayoutId id="2147483658" r:id="rId10"/>
     <p:sldLayoutId id="2147483659" r:id="rId11"/>
   </p:sldLayoutIdLst>
+  <p:hf hdr="0" ftr="0" dt="0"/>
   <p:txStyles>
     <p:titleStyle>
       <a:lvl1pPr algn="l" defTabSz="914400" rtl="0" eaLnBrk="1" latinLnBrk="0" hangingPunct="1">
@@ -3371,10 +3372,45 @@
             </a:r>
           </a:p>
           <a:p>
+            <a:r>
+              <a:rPr lang="en-US" i="1" dirty="0"/>
+              <a:t>Chapter 3</a:t>
+            </a:r>
+          </a:p>
+          <a:p>
             <a:endParaRPr lang="en-US" dirty="0"/>
           </a:p>
           <a:p>
             <a:endParaRPr lang="en-US" dirty="0"/>
+          </a:p>
+        </p:txBody>
+      </p:sp>
+      <p:sp>
+        <p:nvSpPr>
+          <p:cNvPr id="4" name="Slide Number Placeholder 3">
+            <a:extLst>
+              <a:ext uri="{FF2B5EF4-FFF2-40B4-BE49-F238E27FC236}">
+                <a16:creationId xmlns:a16="http://schemas.microsoft.com/office/drawing/2014/main" id="{395FB07F-B19C-644B-B5C9-92965BE4E23C}"/>
+              </a:ext>
+            </a:extLst>
+          </p:cNvPr>
+          <p:cNvSpPr>
+            <a:spLocks noGrp="1"/>
+          </p:cNvSpPr>
+          <p:nvPr>
+            <p:ph type="sldNum" sz="quarter" idx="12"/>
+          </p:nvPr>
+        </p:nvSpPr>
+        <p:spPr/>
+        <p:txBody>
+          <a:bodyPr/>
+          <a:lstStyle/>
+          <a:p>
+            <a:fld id="{2352C00A-4D4A-1B4A-BF5A-FD34A7F77AA7}" type="slidenum">
+              <a:rPr lang="en-US" smtClean="0"/>
+              <a:t>47</a:t>
+            </a:fld>
+            <a:endParaRPr lang="en-US"/>
           </a:p>
         </p:txBody>
       </p:sp>
@@ -3498,6 +3534,35 @@
           </a:prstGeom>
         </p:spPr>
       </p:pic>
+      <p:sp>
+        <p:nvSpPr>
+          <p:cNvPr id="3" name="Slide Number Placeholder 2">
+            <a:extLst>
+              <a:ext uri="{FF2B5EF4-FFF2-40B4-BE49-F238E27FC236}">
+                <a16:creationId xmlns:a16="http://schemas.microsoft.com/office/drawing/2014/main" id="{3D9367AB-324C-DB4C-9674-E1EE5B6EC6B9}"/>
+              </a:ext>
+            </a:extLst>
+          </p:cNvPr>
+          <p:cNvSpPr>
+            <a:spLocks noGrp="1"/>
+          </p:cNvSpPr>
+          <p:nvPr>
+            <p:ph type="sldNum" sz="quarter" idx="12"/>
+          </p:nvPr>
+        </p:nvSpPr>
+        <p:spPr/>
+        <p:txBody>
+          <a:bodyPr/>
+          <a:lstStyle/>
+          <a:p>
+            <a:fld id="{2352C00A-4D4A-1B4A-BF5A-FD34A7F77AA7}" type="slidenum">
+              <a:rPr lang="en-US" smtClean="0"/>
+              <a:t>56</a:t>
+            </a:fld>
+            <a:endParaRPr lang="en-US"/>
+          </a:p>
+        </p:txBody>
+      </p:sp>
     </p:spTree>
     <p:extLst>
       <p:ext uri="{BB962C8B-B14F-4D97-AF65-F5344CB8AC3E}">
@@ -3627,6 +3692,35 @@
           </a:prstGeom>
         </p:spPr>
       </p:pic>
+      <p:sp>
+        <p:nvSpPr>
+          <p:cNvPr id="3" name="Slide Number Placeholder 2">
+            <a:extLst>
+              <a:ext uri="{FF2B5EF4-FFF2-40B4-BE49-F238E27FC236}">
+                <a16:creationId xmlns:a16="http://schemas.microsoft.com/office/drawing/2014/main" id="{62552091-D7B1-FE48-BD57-2C96CF5B11D5}"/>
+              </a:ext>
+            </a:extLst>
+          </p:cNvPr>
+          <p:cNvSpPr>
+            <a:spLocks noGrp="1"/>
+          </p:cNvSpPr>
+          <p:nvPr>
+            <p:ph type="sldNum" sz="quarter" idx="12"/>
+          </p:nvPr>
+        </p:nvSpPr>
+        <p:spPr/>
+        <p:txBody>
+          <a:bodyPr/>
+          <a:lstStyle/>
+          <a:p>
+            <a:fld id="{2352C00A-4D4A-1B4A-BF5A-FD34A7F77AA7}" type="slidenum">
+              <a:rPr lang="en-US" smtClean="0"/>
+              <a:t>57</a:t>
+            </a:fld>
+            <a:endParaRPr lang="en-US"/>
+          </a:p>
+        </p:txBody>
+      </p:sp>
     </p:spTree>
     <p:extLst>
       <p:ext uri="{BB962C8B-B14F-4D97-AF65-F5344CB8AC3E}">
@@ -3681,7 +3775,11 @@
           <a:lstStyle/>
           <a:p>
             <a:r>
-              <a:rPr lang="en-US" dirty="0"/>
+              <a:rPr lang="en-US" dirty="0">
+                <a:solidFill>
+                  <a:srgbClr val="FF0000"/>
+                </a:solidFill>
+              </a:rPr>
               <a:t>Do…while loop in java - Flow Diagram</a:t>
             </a:r>
           </a:p>
@@ -3715,8 +3813,42 @@
           <a:prstGeom prst="rect">
             <a:avLst/>
           </a:prstGeom>
+          <a:ln>
+            <a:solidFill>
+              <a:srgbClr val="FF0000"/>
+            </a:solidFill>
+          </a:ln>
         </p:spPr>
       </p:pic>
+      <p:sp>
+        <p:nvSpPr>
+          <p:cNvPr id="4" name="Slide Number Placeholder 3">
+            <a:extLst>
+              <a:ext uri="{FF2B5EF4-FFF2-40B4-BE49-F238E27FC236}">
+                <a16:creationId xmlns:a16="http://schemas.microsoft.com/office/drawing/2014/main" id="{2CC8F1DE-B01E-1D41-94A3-4493883F469F}"/>
+              </a:ext>
+            </a:extLst>
+          </p:cNvPr>
+          <p:cNvSpPr>
+            <a:spLocks noGrp="1"/>
+          </p:cNvSpPr>
+          <p:nvPr>
+            <p:ph type="sldNum" sz="quarter" idx="12"/>
+          </p:nvPr>
+        </p:nvSpPr>
+        <p:spPr/>
+        <p:txBody>
+          <a:bodyPr/>
+          <a:lstStyle/>
+          <a:p>
+            <a:fld id="{2352C00A-4D4A-1B4A-BF5A-FD34A7F77AA7}" type="slidenum">
+              <a:rPr lang="en-US" smtClean="0"/>
+              <a:t>58</a:t>
+            </a:fld>
+            <a:endParaRPr lang="en-US"/>
+          </a:p>
+        </p:txBody>
+      </p:sp>
     </p:spTree>
     <p:extLst>
       <p:ext uri="{BB962C8B-B14F-4D97-AF65-F5344CB8AC3E}">
@@ -3837,6 +3969,35 @@
           </a:prstGeom>
         </p:spPr>
       </p:pic>
+      <p:sp>
+        <p:nvSpPr>
+          <p:cNvPr id="3" name="Slide Number Placeholder 2">
+            <a:extLst>
+              <a:ext uri="{FF2B5EF4-FFF2-40B4-BE49-F238E27FC236}">
+                <a16:creationId xmlns:a16="http://schemas.microsoft.com/office/drawing/2014/main" id="{40997DA0-6FC2-B747-9B08-AC2EC6591186}"/>
+              </a:ext>
+            </a:extLst>
+          </p:cNvPr>
+          <p:cNvSpPr>
+            <a:spLocks noGrp="1"/>
+          </p:cNvSpPr>
+          <p:nvPr>
+            <p:ph type="sldNum" sz="quarter" idx="12"/>
+          </p:nvPr>
+        </p:nvSpPr>
+        <p:spPr/>
+        <p:txBody>
+          <a:bodyPr/>
+          <a:lstStyle/>
+          <a:p>
+            <a:fld id="{2352C00A-4D4A-1B4A-BF5A-FD34A7F77AA7}" type="slidenum">
+              <a:rPr lang="en-US" smtClean="0"/>
+              <a:t>59</a:t>
+            </a:fld>
+            <a:endParaRPr lang="en-US"/>
+          </a:p>
+        </p:txBody>
+      </p:sp>
     </p:spTree>
     <p:extLst>
       <p:ext uri="{BB962C8B-B14F-4D97-AF65-F5344CB8AC3E}">
@@ -3886,6 +4047,35 @@
               <a:rPr lang="en-US" dirty="0"/>
               <a:t>Loop Control Statements</a:t>
             </a:r>
+          </a:p>
+        </p:txBody>
+      </p:sp>
+      <p:sp>
+        <p:nvSpPr>
+          <p:cNvPr id="3" name="Slide Number Placeholder 2">
+            <a:extLst>
+              <a:ext uri="{FF2B5EF4-FFF2-40B4-BE49-F238E27FC236}">
+                <a16:creationId xmlns:a16="http://schemas.microsoft.com/office/drawing/2014/main" id="{8F9F0B1D-6A75-8649-9DC0-BEDE68349DB9}"/>
+              </a:ext>
+            </a:extLst>
+          </p:cNvPr>
+          <p:cNvSpPr>
+            <a:spLocks noGrp="1"/>
+          </p:cNvSpPr>
+          <p:nvPr>
+            <p:ph type="sldNum" sz="quarter" idx="12"/>
+          </p:nvPr>
+        </p:nvSpPr>
+        <p:spPr/>
+        <p:txBody>
+          <a:bodyPr/>
+          <a:lstStyle/>
+          <a:p>
+            <a:fld id="{2352C00A-4D4A-1B4A-BF5A-FD34A7F77AA7}" type="slidenum">
+              <a:rPr lang="en-US" smtClean="0"/>
+              <a:t>60</a:t>
+            </a:fld>
+            <a:endParaRPr lang="en-US"/>
           </a:p>
         </p:txBody>
       </p:sp>
@@ -3971,7 +4161,15 @@
             </a:pPr>
             <a:r>
               <a:rPr lang="en-US" dirty="0"/>
-              <a:t>Loop control statements change execution from its normal sequence. When execution leaves a scope, all automatic objects that were created in that scope are destroyed.</a:t>
+              <a:t>Loop control statements change execution from its normal sequence. </a:t>
+            </a:r>
+            <a:r>
+              <a:rPr lang="en-US" dirty="0">
+                <a:solidFill>
+                  <a:srgbClr val="FF0000"/>
+                </a:solidFill>
+              </a:rPr>
+              <a:t>When execution leaves a scope, all automatic objects that were created in that scope are destroyed.</a:t>
             </a:r>
           </a:p>
           <a:p>
@@ -4006,6 +4204,35 @@
               <a:rPr lang="en-US" dirty="0"/>
               <a:t>2- continue statement</a:t>
             </a:r>
+          </a:p>
+        </p:txBody>
+      </p:sp>
+      <p:sp>
+        <p:nvSpPr>
+          <p:cNvPr id="4" name="Slide Number Placeholder 3">
+            <a:extLst>
+              <a:ext uri="{FF2B5EF4-FFF2-40B4-BE49-F238E27FC236}">
+                <a16:creationId xmlns:a16="http://schemas.microsoft.com/office/drawing/2014/main" id="{05DEF205-DF01-2647-B66D-40E8CD4CC984}"/>
+              </a:ext>
+            </a:extLst>
+          </p:cNvPr>
+          <p:cNvSpPr>
+            <a:spLocks noGrp="1"/>
+          </p:cNvSpPr>
+          <p:nvPr>
+            <p:ph type="sldNum" sz="quarter" idx="12"/>
+          </p:nvPr>
+        </p:nvSpPr>
+        <p:spPr/>
+        <p:txBody>
+          <a:bodyPr/>
+          <a:lstStyle/>
+          <a:p>
+            <a:fld id="{2352C00A-4D4A-1B4A-BF5A-FD34A7F77AA7}" type="slidenum">
+              <a:rPr lang="en-US" smtClean="0"/>
+              <a:t>61</a:t>
+            </a:fld>
+            <a:endParaRPr lang="en-US"/>
           </a:p>
         </p:txBody>
       </p:sp>
@@ -4130,6 +4357,35 @@
           </a:prstGeom>
         </p:spPr>
       </p:pic>
+      <p:sp>
+        <p:nvSpPr>
+          <p:cNvPr id="4" name="Slide Number Placeholder 3">
+            <a:extLst>
+              <a:ext uri="{FF2B5EF4-FFF2-40B4-BE49-F238E27FC236}">
+                <a16:creationId xmlns:a16="http://schemas.microsoft.com/office/drawing/2014/main" id="{1AA92AB0-4EE9-344F-AB72-E114E2286307}"/>
+              </a:ext>
+            </a:extLst>
+          </p:cNvPr>
+          <p:cNvSpPr>
+            <a:spLocks noGrp="1"/>
+          </p:cNvSpPr>
+          <p:nvPr>
+            <p:ph type="sldNum" sz="quarter" idx="12"/>
+          </p:nvPr>
+        </p:nvSpPr>
+        <p:spPr/>
+        <p:txBody>
+          <a:bodyPr/>
+          <a:lstStyle/>
+          <a:p>
+            <a:fld id="{2352C00A-4D4A-1B4A-BF5A-FD34A7F77AA7}" type="slidenum">
+              <a:rPr lang="en-US" smtClean="0"/>
+              <a:t>62</a:t>
+            </a:fld>
+            <a:endParaRPr lang="en-US"/>
+          </a:p>
+        </p:txBody>
+      </p:sp>
     </p:spTree>
     <p:extLst>
       <p:ext uri="{BB962C8B-B14F-4D97-AF65-F5344CB8AC3E}">
@@ -4184,7 +4440,11 @@
           <a:lstStyle/>
           <a:p>
             <a:r>
-              <a:rPr lang="en-US" dirty="0"/>
+              <a:rPr lang="en-US" dirty="0">
+                <a:solidFill>
+                  <a:srgbClr val="FF0000"/>
+                </a:solidFill>
+              </a:rPr>
               <a:t>Break statement in java - Flow Diagram</a:t>
             </a:r>
           </a:p>
@@ -4218,8 +4478,42 @@
           <a:prstGeom prst="rect">
             <a:avLst/>
           </a:prstGeom>
+          <a:ln>
+            <a:solidFill>
+              <a:srgbClr val="FF0000"/>
+            </a:solidFill>
+          </a:ln>
         </p:spPr>
       </p:pic>
+      <p:sp>
+        <p:nvSpPr>
+          <p:cNvPr id="3" name="Slide Number Placeholder 2">
+            <a:extLst>
+              <a:ext uri="{FF2B5EF4-FFF2-40B4-BE49-F238E27FC236}">
+                <a16:creationId xmlns:a16="http://schemas.microsoft.com/office/drawing/2014/main" id="{2460984A-FC6F-AC42-B356-77C582591337}"/>
+              </a:ext>
+            </a:extLst>
+          </p:cNvPr>
+          <p:cNvSpPr>
+            <a:spLocks noGrp="1"/>
+          </p:cNvSpPr>
+          <p:nvPr>
+            <p:ph type="sldNum" sz="quarter" idx="12"/>
+          </p:nvPr>
+        </p:nvSpPr>
+        <p:spPr/>
+        <p:txBody>
+          <a:bodyPr/>
+          <a:lstStyle/>
+          <a:p>
+            <a:fld id="{2352C00A-4D4A-1B4A-BF5A-FD34A7F77AA7}" type="slidenum">
+              <a:rPr lang="en-US" smtClean="0"/>
+              <a:t>63</a:t>
+            </a:fld>
+            <a:endParaRPr lang="en-US"/>
+          </a:p>
+        </p:txBody>
+      </p:sp>
     </p:spTree>
     <p:extLst>
       <p:ext uri="{BB962C8B-B14F-4D97-AF65-F5344CB8AC3E}">
@@ -4340,6 +4634,35 @@
           </a:prstGeom>
         </p:spPr>
       </p:pic>
+      <p:sp>
+        <p:nvSpPr>
+          <p:cNvPr id="3" name="Slide Number Placeholder 2">
+            <a:extLst>
+              <a:ext uri="{FF2B5EF4-FFF2-40B4-BE49-F238E27FC236}">
+                <a16:creationId xmlns:a16="http://schemas.microsoft.com/office/drawing/2014/main" id="{DAEB608B-3ECF-FD41-8CD5-3F9F6497D1DE}"/>
+              </a:ext>
+            </a:extLst>
+          </p:cNvPr>
+          <p:cNvSpPr>
+            <a:spLocks noGrp="1"/>
+          </p:cNvSpPr>
+          <p:nvPr>
+            <p:ph type="sldNum" sz="quarter" idx="12"/>
+          </p:nvPr>
+        </p:nvSpPr>
+        <p:spPr/>
+        <p:txBody>
+          <a:bodyPr/>
+          <a:lstStyle/>
+          <a:p>
+            <a:fld id="{2352C00A-4D4A-1B4A-BF5A-FD34A7F77AA7}" type="slidenum">
+              <a:rPr lang="en-US" smtClean="0"/>
+              <a:t>64</a:t>
+            </a:fld>
+            <a:endParaRPr lang="en-US"/>
+          </a:p>
+        </p:txBody>
+      </p:sp>
     </p:spTree>
     <p:extLst>
       <p:ext uri="{BB962C8B-B14F-4D97-AF65-F5344CB8AC3E}">
@@ -4436,14 +4759,22 @@
           <a:p>
             <a:pPr lvl="1"/>
             <a:r>
-              <a:rPr lang="en-US" dirty="0"/>
+              <a:rPr lang="en-US" dirty="0">
+                <a:solidFill>
+                  <a:srgbClr val="FF0000"/>
+                </a:solidFill>
+              </a:rPr>
               <a:t>In a for loop, the continue keyword causes control to immediately jump to the update statement.</a:t>
             </a:r>
           </a:p>
           <a:p>
             <a:pPr lvl="1"/>
             <a:r>
-              <a:rPr lang="en-US" dirty="0"/>
+              <a:rPr lang="en-US" dirty="0">
+                <a:solidFill>
+                  <a:srgbClr val="FF0000"/>
+                </a:solidFill>
+              </a:rPr>
               <a:t>In a while loop or do/while loop, control immediately jumps to the Boolean expression.</a:t>
             </a:r>
           </a:p>
@@ -4485,6 +4816,35 @@
           </a:prstGeom>
         </p:spPr>
       </p:pic>
+      <p:sp>
+        <p:nvSpPr>
+          <p:cNvPr id="4" name="Slide Number Placeholder 3">
+            <a:extLst>
+              <a:ext uri="{FF2B5EF4-FFF2-40B4-BE49-F238E27FC236}">
+                <a16:creationId xmlns:a16="http://schemas.microsoft.com/office/drawing/2014/main" id="{D244EF94-80B4-5A46-872D-58E65FBBB7A0}"/>
+              </a:ext>
+            </a:extLst>
+          </p:cNvPr>
+          <p:cNvSpPr>
+            <a:spLocks noGrp="1"/>
+          </p:cNvSpPr>
+          <p:nvPr>
+            <p:ph type="sldNum" sz="quarter" idx="12"/>
+          </p:nvPr>
+        </p:nvSpPr>
+        <p:spPr/>
+        <p:txBody>
+          <a:bodyPr/>
+          <a:lstStyle/>
+          <a:p>
+            <a:fld id="{2352C00A-4D4A-1B4A-BF5A-FD34A7F77AA7}" type="slidenum">
+              <a:rPr lang="en-US" smtClean="0"/>
+              <a:t>65</a:t>
+            </a:fld>
+            <a:endParaRPr lang="en-US"/>
+          </a:p>
+        </p:txBody>
+      </p:sp>
     </p:spTree>
     <p:extLst>
       <p:ext uri="{BB962C8B-B14F-4D97-AF65-F5344CB8AC3E}">
@@ -4534,6 +4894,35 @@
               <a:rPr lang="en-US" dirty="0"/>
               <a:t>Loop Control</a:t>
             </a:r>
+          </a:p>
+        </p:txBody>
+      </p:sp>
+      <p:sp>
+        <p:nvSpPr>
+          <p:cNvPr id="3" name="Slide Number Placeholder 2">
+            <a:extLst>
+              <a:ext uri="{FF2B5EF4-FFF2-40B4-BE49-F238E27FC236}">
+                <a16:creationId xmlns:a16="http://schemas.microsoft.com/office/drawing/2014/main" id="{A07BAC6A-4986-1A40-ACFC-84DAE7BCC396}"/>
+              </a:ext>
+            </a:extLst>
+          </p:cNvPr>
+          <p:cNvSpPr>
+            <a:spLocks noGrp="1"/>
+          </p:cNvSpPr>
+          <p:nvPr>
+            <p:ph type="sldNum" sz="quarter" idx="12"/>
+          </p:nvPr>
+        </p:nvSpPr>
+        <p:spPr/>
+        <p:txBody>
+          <a:bodyPr/>
+          <a:lstStyle/>
+          <a:p>
+            <a:fld id="{2352C00A-4D4A-1B4A-BF5A-FD34A7F77AA7}" type="slidenum">
+              <a:rPr lang="en-US" smtClean="0"/>
+              <a:t>48</a:t>
+            </a:fld>
+            <a:endParaRPr lang="en-US"/>
           </a:p>
         </p:txBody>
       </p:sp>
@@ -4591,7 +4980,11 @@
           <a:lstStyle/>
           <a:p>
             <a:r>
-              <a:rPr lang="en-US" dirty="0"/>
+              <a:rPr lang="en-US" dirty="0">
+                <a:solidFill>
+                  <a:srgbClr val="FF0000"/>
+                </a:solidFill>
+              </a:rPr>
               <a:t>Continue statement in java - Flow Diagram</a:t>
             </a:r>
           </a:p>
@@ -4625,8 +5018,42 @@
           <a:prstGeom prst="rect">
             <a:avLst/>
           </a:prstGeom>
+          <a:ln>
+            <a:solidFill>
+              <a:srgbClr val="FF0000"/>
+            </a:solidFill>
+          </a:ln>
         </p:spPr>
       </p:pic>
+      <p:sp>
+        <p:nvSpPr>
+          <p:cNvPr id="4" name="Slide Number Placeholder 3">
+            <a:extLst>
+              <a:ext uri="{FF2B5EF4-FFF2-40B4-BE49-F238E27FC236}">
+                <a16:creationId xmlns:a16="http://schemas.microsoft.com/office/drawing/2014/main" id="{CDD3B192-9C19-6940-A54C-9F99621374D3}"/>
+              </a:ext>
+            </a:extLst>
+          </p:cNvPr>
+          <p:cNvSpPr>
+            <a:spLocks noGrp="1"/>
+          </p:cNvSpPr>
+          <p:nvPr>
+            <p:ph type="sldNum" sz="quarter" idx="12"/>
+          </p:nvPr>
+        </p:nvSpPr>
+        <p:spPr/>
+        <p:txBody>
+          <a:bodyPr/>
+          <a:lstStyle/>
+          <a:p>
+            <a:fld id="{2352C00A-4D4A-1B4A-BF5A-FD34A7F77AA7}" type="slidenum">
+              <a:rPr lang="en-US" smtClean="0"/>
+              <a:t>66</a:t>
+            </a:fld>
+            <a:endParaRPr lang="en-US"/>
+          </a:p>
+        </p:txBody>
+      </p:sp>
     </p:spTree>
     <p:extLst>
       <p:ext uri="{BB962C8B-B14F-4D97-AF65-F5344CB8AC3E}">
@@ -4747,6 +5174,35 @@
           </a:prstGeom>
         </p:spPr>
       </p:pic>
+      <p:sp>
+        <p:nvSpPr>
+          <p:cNvPr id="3" name="Slide Number Placeholder 2">
+            <a:extLst>
+              <a:ext uri="{FF2B5EF4-FFF2-40B4-BE49-F238E27FC236}">
+                <a16:creationId xmlns:a16="http://schemas.microsoft.com/office/drawing/2014/main" id="{1BA73315-2C9D-1246-A563-FF7D8E60F343}"/>
+              </a:ext>
+            </a:extLst>
+          </p:cNvPr>
+          <p:cNvSpPr>
+            <a:spLocks noGrp="1"/>
+          </p:cNvSpPr>
+          <p:nvPr>
+            <p:ph type="sldNum" sz="quarter" idx="12"/>
+          </p:nvPr>
+        </p:nvSpPr>
+        <p:spPr/>
+        <p:txBody>
+          <a:bodyPr/>
+          <a:lstStyle/>
+          <a:p>
+            <a:fld id="{2352C00A-4D4A-1B4A-BF5A-FD34A7F77AA7}" type="slidenum">
+              <a:rPr lang="en-US" smtClean="0"/>
+              <a:t>67</a:t>
+            </a:fld>
+            <a:endParaRPr lang="en-US"/>
+          </a:p>
+        </p:txBody>
+      </p:sp>
     </p:spTree>
     <p:extLst>
       <p:ext uri="{BB962C8B-B14F-4D97-AF65-F5344CB8AC3E}">
@@ -4796,6 +5252,35 @@
               <a:rPr lang="en-US" dirty="0"/>
               <a:t>Enhanced Loop</a:t>
             </a:r>
+          </a:p>
+        </p:txBody>
+      </p:sp>
+      <p:sp>
+        <p:nvSpPr>
+          <p:cNvPr id="3" name="Slide Number Placeholder 2">
+            <a:extLst>
+              <a:ext uri="{FF2B5EF4-FFF2-40B4-BE49-F238E27FC236}">
+                <a16:creationId xmlns:a16="http://schemas.microsoft.com/office/drawing/2014/main" id="{F7B28B7C-CBAE-2344-8FD7-FEB203F00621}"/>
+              </a:ext>
+            </a:extLst>
+          </p:cNvPr>
+          <p:cNvSpPr>
+            <a:spLocks noGrp="1"/>
+          </p:cNvSpPr>
+          <p:nvPr>
+            <p:ph type="sldNum" sz="quarter" idx="12"/>
+          </p:nvPr>
+        </p:nvSpPr>
+        <p:spPr/>
+        <p:txBody>
+          <a:bodyPr/>
+          <a:lstStyle/>
+          <a:p>
+            <a:fld id="{2352C00A-4D4A-1B4A-BF5A-FD34A7F77AA7}" type="slidenum">
+              <a:rPr lang="en-US" smtClean="0"/>
+              <a:t>68</a:t>
+            </a:fld>
+            <a:endParaRPr lang="en-US"/>
           </a:p>
         </p:txBody>
       </p:sp>
@@ -4916,6 +5401,35 @@
           </a:prstGeom>
         </p:spPr>
       </p:pic>
+      <p:sp>
+        <p:nvSpPr>
+          <p:cNvPr id="4" name="Slide Number Placeholder 3">
+            <a:extLst>
+              <a:ext uri="{FF2B5EF4-FFF2-40B4-BE49-F238E27FC236}">
+                <a16:creationId xmlns:a16="http://schemas.microsoft.com/office/drawing/2014/main" id="{087D3F7C-5544-FA40-9086-6035BDE16257}"/>
+              </a:ext>
+            </a:extLst>
+          </p:cNvPr>
+          <p:cNvSpPr>
+            <a:spLocks noGrp="1"/>
+          </p:cNvSpPr>
+          <p:nvPr>
+            <p:ph type="sldNum" sz="quarter" idx="12"/>
+          </p:nvPr>
+        </p:nvSpPr>
+        <p:spPr/>
+        <p:txBody>
+          <a:bodyPr/>
+          <a:lstStyle/>
+          <a:p>
+            <a:fld id="{2352C00A-4D4A-1B4A-BF5A-FD34A7F77AA7}" type="slidenum">
+              <a:rPr lang="en-US" smtClean="0"/>
+              <a:t>69</a:t>
+            </a:fld>
+            <a:endParaRPr lang="en-US"/>
+          </a:p>
+        </p:txBody>
+      </p:sp>
     </p:spTree>
     <p:extLst>
       <p:ext uri="{BB962C8B-B14F-4D97-AF65-F5344CB8AC3E}">
@@ -5041,6 +5555,35 @@
           </a:ln>
         </p:spPr>
       </p:pic>
+      <p:sp>
+        <p:nvSpPr>
+          <p:cNvPr id="3" name="Slide Number Placeholder 2">
+            <a:extLst>
+              <a:ext uri="{FF2B5EF4-FFF2-40B4-BE49-F238E27FC236}">
+                <a16:creationId xmlns:a16="http://schemas.microsoft.com/office/drawing/2014/main" id="{B4F90C1D-FC15-D540-9312-C59688657CD3}"/>
+              </a:ext>
+            </a:extLst>
+          </p:cNvPr>
+          <p:cNvSpPr>
+            <a:spLocks noGrp="1"/>
+          </p:cNvSpPr>
+          <p:nvPr>
+            <p:ph type="sldNum" sz="quarter" idx="12"/>
+          </p:nvPr>
+        </p:nvSpPr>
+        <p:spPr/>
+        <p:txBody>
+          <a:bodyPr/>
+          <a:lstStyle/>
+          <a:p>
+            <a:fld id="{2352C00A-4D4A-1B4A-BF5A-FD34A7F77AA7}" type="slidenum">
+              <a:rPr lang="en-US" smtClean="0"/>
+              <a:t>70</a:t>
+            </a:fld>
+            <a:endParaRPr lang="en-US"/>
+          </a:p>
+        </p:txBody>
+      </p:sp>
     </p:spTree>
     <p:extLst>
       <p:ext uri="{BB962C8B-B14F-4D97-AF65-F5344CB8AC3E}">
@@ -5123,7 +5666,15 @@
             </a:pPr>
             <a:r>
               <a:rPr lang="en-US" dirty="0"/>
-              <a:t>A loop statement allows us to execute a statement or group of statements multiple times and following is the general form of a loop statement in most of the programming languages −</a:t>
+              <a:t>A loop statement allows us to execute a statement or group of statements multiple times.</a:t>
+            </a:r>
+            <a:r>
+              <a:rPr lang="en-US" dirty="0">
+                <a:solidFill>
+                  <a:srgbClr val="FF0000"/>
+                </a:solidFill>
+              </a:rPr>
+              <a:t> and following is the general form of a loop statement in most of the programming languages −</a:t>
             </a:r>
           </a:p>
         </p:txBody>
@@ -5156,8 +5707,42 @@
           <a:prstGeom prst="rect">
             <a:avLst/>
           </a:prstGeom>
+          <a:ln>
+            <a:solidFill>
+              <a:srgbClr val="FF0000"/>
+            </a:solidFill>
+          </a:ln>
         </p:spPr>
       </p:pic>
+      <p:sp>
+        <p:nvSpPr>
+          <p:cNvPr id="5" name="Slide Number Placeholder 4">
+            <a:extLst>
+              <a:ext uri="{FF2B5EF4-FFF2-40B4-BE49-F238E27FC236}">
+                <a16:creationId xmlns:a16="http://schemas.microsoft.com/office/drawing/2014/main" id="{36F75C73-A1F2-D34D-96B6-1DD55158C1AC}"/>
+              </a:ext>
+            </a:extLst>
+          </p:cNvPr>
+          <p:cNvSpPr>
+            <a:spLocks noGrp="1"/>
+          </p:cNvSpPr>
+          <p:nvPr>
+            <p:ph type="sldNum" sz="quarter" idx="12"/>
+          </p:nvPr>
+        </p:nvSpPr>
+        <p:spPr/>
+        <p:txBody>
+          <a:bodyPr/>
+          <a:lstStyle/>
+          <a:p>
+            <a:fld id="{2352C00A-4D4A-1B4A-BF5A-FD34A7F77AA7}" type="slidenum">
+              <a:rPr lang="en-US" smtClean="0"/>
+              <a:t>49</a:t>
+            </a:fld>
+            <a:endParaRPr lang="en-US"/>
+          </a:p>
+        </p:txBody>
+      </p:sp>
     </p:spTree>
     <p:extLst>
       <p:ext uri="{BB962C8B-B14F-4D97-AF65-F5344CB8AC3E}">
@@ -5239,7 +5824,11 @@
               <a:buNone/>
             </a:pPr>
             <a:r>
-              <a:rPr lang="en-US" dirty="0"/>
+              <a:rPr lang="en-US" dirty="0">
+                <a:solidFill>
+                  <a:srgbClr val="FF0000"/>
+                </a:solidFill>
+              </a:rPr>
               <a:t>Java programming language provides the following types of loop to handle looping requirements. Click the following links to check their detail.</a:t>
             </a:r>
           </a:p>
@@ -5278,6 +5867,35 @@
               <a:rPr lang="en-US" dirty="0"/>
               <a:t>3- Do…while loop</a:t>
             </a:r>
+          </a:p>
+        </p:txBody>
+      </p:sp>
+      <p:sp>
+        <p:nvSpPr>
+          <p:cNvPr id="4" name="Slide Number Placeholder 3">
+            <a:extLst>
+              <a:ext uri="{FF2B5EF4-FFF2-40B4-BE49-F238E27FC236}">
+                <a16:creationId xmlns:a16="http://schemas.microsoft.com/office/drawing/2014/main" id="{E43D8B12-4902-1249-9098-0AE94EE126A3}"/>
+              </a:ext>
+            </a:extLst>
+          </p:cNvPr>
+          <p:cNvSpPr>
+            <a:spLocks noGrp="1"/>
+          </p:cNvSpPr>
+          <p:nvPr>
+            <p:ph type="sldNum" sz="quarter" idx="12"/>
+          </p:nvPr>
+        </p:nvSpPr>
+        <p:spPr/>
+        <p:txBody>
+          <a:bodyPr/>
+          <a:lstStyle/>
+          <a:p>
+            <a:fld id="{2352C00A-4D4A-1B4A-BF5A-FD34A7F77AA7}" type="slidenum">
+              <a:rPr lang="en-US" smtClean="0"/>
+              <a:t>50</a:t>
+            </a:fld>
+            <a:endParaRPr lang="en-US"/>
           </a:p>
         </p:txBody>
       </p:sp>
@@ -5415,6 +6033,35 @@
           </a:prstGeom>
         </p:spPr>
       </p:pic>
+      <p:sp>
+        <p:nvSpPr>
+          <p:cNvPr id="4" name="Slide Number Placeholder 3">
+            <a:extLst>
+              <a:ext uri="{FF2B5EF4-FFF2-40B4-BE49-F238E27FC236}">
+                <a16:creationId xmlns:a16="http://schemas.microsoft.com/office/drawing/2014/main" id="{CA152AEA-B47E-5946-A74E-9A3F145216DF}"/>
+              </a:ext>
+            </a:extLst>
+          </p:cNvPr>
+          <p:cNvSpPr>
+            <a:spLocks noGrp="1"/>
+          </p:cNvSpPr>
+          <p:nvPr>
+            <p:ph type="sldNum" sz="quarter" idx="12"/>
+          </p:nvPr>
+        </p:nvSpPr>
+        <p:spPr/>
+        <p:txBody>
+          <a:bodyPr/>
+          <a:lstStyle/>
+          <a:p>
+            <a:fld id="{2352C00A-4D4A-1B4A-BF5A-FD34A7F77AA7}" type="slidenum">
+              <a:rPr lang="en-US" smtClean="0"/>
+              <a:t>51</a:t>
+            </a:fld>
+            <a:endParaRPr lang="en-US"/>
+          </a:p>
+        </p:txBody>
+      </p:sp>
     </p:spTree>
     <p:extLst>
       <p:ext uri="{BB962C8B-B14F-4D97-AF65-F5344CB8AC3E}">
@@ -5469,7 +6116,11 @@
           <a:lstStyle/>
           <a:p>
             <a:r>
-              <a:rPr lang="en-US" dirty="0"/>
+              <a:rPr lang="en-US" dirty="0">
+                <a:solidFill>
+                  <a:srgbClr val="FF0000"/>
+                </a:solidFill>
+              </a:rPr>
               <a:t>While Loop in java – Flow Diagram</a:t>
             </a:r>
           </a:p>
@@ -5530,8 +6181,42 @@
           <a:prstGeom prst="rect">
             <a:avLst/>
           </a:prstGeom>
+          <a:ln>
+            <a:solidFill>
+              <a:srgbClr val="FF0000"/>
+            </a:solidFill>
+          </a:ln>
         </p:spPr>
       </p:pic>
+      <p:sp>
+        <p:nvSpPr>
+          <p:cNvPr id="5" name="Slide Number Placeholder 4">
+            <a:extLst>
+              <a:ext uri="{FF2B5EF4-FFF2-40B4-BE49-F238E27FC236}">
+                <a16:creationId xmlns:a16="http://schemas.microsoft.com/office/drawing/2014/main" id="{A4C0516A-69AD-B540-B448-61D1C126FEC4}"/>
+              </a:ext>
+            </a:extLst>
+          </p:cNvPr>
+          <p:cNvSpPr>
+            <a:spLocks noGrp="1"/>
+          </p:cNvSpPr>
+          <p:nvPr>
+            <p:ph type="sldNum" sz="quarter" idx="12"/>
+          </p:nvPr>
+        </p:nvSpPr>
+        <p:spPr/>
+        <p:txBody>
+          <a:bodyPr/>
+          <a:lstStyle/>
+          <a:p>
+            <a:fld id="{2352C00A-4D4A-1B4A-BF5A-FD34A7F77AA7}" type="slidenum">
+              <a:rPr lang="en-US" smtClean="0"/>
+              <a:t>52</a:t>
+            </a:fld>
+            <a:endParaRPr lang="en-US"/>
+          </a:p>
+        </p:txBody>
+      </p:sp>
     </p:spTree>
     <p:extLst>
       <p:ext uri="{BB962C8B-B14F-4D97-AF65-F5344CB8AC3E}">
@@ -5651,6 +6336,35 @@
           </a:prstGeom>
         </p:spPr>
       </p:pic>
+      <p:sp>
+        <p:nvSpPr>
+          <p:cNvPr id="3" name="Slide Number Placeholder 2">
+            <a:extLst>
+              <a:ext uri="{FF2B5EF4-FFF2-40B4-BE49-F238E27FC236}">
+                <a16:creationId xmlns:a16="http://schemas.microsoft.com/office/drawing/2014/main" id="{485B1F7C-B3C5-0A46-9563-DAAE423463AE}"/>
+              </a:ext>
+            </a:extLst>
+          </p:cNvPr>
+          <p:cNvSpPr>
+            <a:spLocks noGrp="1"/>
+          </p:cNvSpPr>
+          <p:nvPr>
+            <p:ph type="sldNum" sz="quarter" idx="12"/>
+          </p:nvPr>
+        </p:nvSpPr>
+        <p:spPr/>
+        <p:txBody>
+          <a:bodyPr/>
+          <a:lstStyle/>
+          <a:p>
+            <a:fld id="{2352C00A-4D4A-1B4A-BF5A-FD34A7F77AA7}" type="slidenum">
+              <a:rPr lang="en-US" smtClean="0"/>
+              <a:t>53</a:t>
+            </a:fld>
+            <a:endParaRPr lang="en-US"/>
+          </a:p>
+        </p:txBody>
+      </p:sp>
     </p:spTree>
     <p:extLst>
       <p:ext uri="{BB962C8B-B14F-4D97-AF65-F5344CB8AC3E}">
@@ -5780,6 +6494,35 @@
           </a:prstGeom>
         </p:spPr>
       </p:pic>
+      <p:sp>
+        <p:nvSpPr>
+          <p:cNvPr id="4" name="Slide Number Placeholder 3">
+            <a:extLst>
+              <a:ext uri="{FF2B5EF4-FFF2-40B4-BE49-F238E27FC236}">
+                <a16:creationId xmlns:a16="http://schemas.microsoft.com/office/drawing/2014/main" id="{7760C0FA-9BB4-464A-8DFD-0FD560EE0491}"/>
+              </a:ext>
+            </a:extLst>
+          </p:cNvPr>
+          <p:cNvSpPr>
+            <a:spLocks noGrp="1"/>
+          </p:cNvSpPr>
+          <p:nvPr>
+            <p:ph type="sldNum" sz="quarter" idx="12"/>
+          </p:nvPr>
+        </p:nvSpPr>
+        <p:spPr/>
+        <p:txBody>
+          <a:bodyPr/>
+          <a:lstStyle/>
+          <a:p>
+            <a:fld id="{2352C00A-4D4A-1B4A-BF5A-FD34A7F77AA7}" type="slidenum">
+              <a:rPr lang="en-US" smtClean="0"/>
+              <a:t>54</a:t>
+            </a:fld>
+            <a:endParaRPr lang="en-US"/>
+          </a:p>
+        </p:txBody>
+      </p:sp>
     </p:spTree>
     <p:extLst>
       <p:ext uri="{BB962C8B-B14F-4D97-AF65-F5344CB8AC3E}">
@@ -5834,7 +6577,11 @@
           <a:lstStyle/>
           <a:p>
             <a:r>
-              <a:rPr lang="en-US" dirty="0"/>
+              <a:rPr lang="en-US" dirty="0">
+                <a:solidFill>
+                  <a:srgbClr val="FF0000"/>
+                </a:solidFill>
+              </a:rPr>
               <a:t>For loop in java- Flow Diagram</a:t>
             </a:r>
           </a:p>
@@ -5868,8 +6615,42 @@
           <a:prstGeom prst="rect">
             <a:avLst/>
           </a:prstGeom>
+          <a:ln>
+            <a:solidFill>
+              <a:srgbClr val="FF0000"/>
+            </a:solidFill>
+          </a:ln>
         </p:spPr>
       </p:pic>
+      <p:sp>
+        <p:nvSpPr>
+          <p:cNvPr id="3" name="Slide Number Placeholder 2">
+            <a:extLst>
+              <a:ext uri="{FF2B5EF4-FFF2-40B4-BE49-F238E27FC236}">
+                <a16:creationId xmlns:a16="http://schemas.microsoft.com/office/drawing/2014/main" id="{E3CF38F7-E445-C54D-BD4D-035F70E4EA1C}"/>
+              </a:ext>
+            </a:extLst>
+          </p:cNvPr>
+          <p:cNvSpPr>
+            <a:spLocks noGrp="1"/>
+          </p:cNvSpPr>
+          <p:nvPr>
+            <p:ph type="sldNum" sz="quarter" idx="12"/>
+          </p:nvPr>
+        </p:nvSpPr>
+        <p:spPr/>
+        <p:txBody>
+          <a:bodyPr/>
+          <a:lstStyle/>
+          <a:p>
+            <a:fld id="{2352C00A-4D4A-1B4A-BF5A-FD34A7F77AA7}" type="slidenum">
+              <a:rPr lang="en-US" smtClean="0"/>
+              <a:t>55</a:t>
+            </a:fld>
+            <a:endParaRPr lang="en-US"/>
+          </a:p>
+        </p:txBody>
+      </p:sp>
     </p:spTree>
     <p:extLst>
       <p:ext uri="{BB962C8B-B14F-4D97-AF65-F5344CB8AC3E}">
